--- a/Project Idea.pptx
+++ b/Project Idea.pptx
@@ -6,6 +6,7 @@
   </p:sldMasterIdLst>
   <p:sldIdLst>
     <p:sldId id="256" r:id="rId2"/>
+    <p:sldId id="257" r:id="rId3"/>
   </p:sldIdLst>
   <p:sldSz cx="12192000" cy="6858000"/>
   <p:notesSz cx="6858000" cy="9144000"/>
@@ -104,6 +105,11 @@
       </a:defRPr>
     </a:lvl9pPr>
   </p:defaultTextStyle>
+  <p:extLst>
+    <p:ext uri="{EFAFB233-063F-42B5-8137-9DF3F51BA10A}">
+      <p15:sldGuideLst xmlns:p15="http://schemas.microsoft.com/office/powerpoint/2012/main"/>
+    </p:ext>
+  </p:extLst>
 </p:presentation>
 </file>
 
@@ -6145,6 +6151,94 @@
 </p:sld>
 </file>
 
+<file path=ppt/slides/slide2.xml><?xml version="1.0" encoding="utf-8"?>
+<p:sld xmlns:a="http://schemas.openxmlformats.org/drawingml/2006/main" xmlns:r="http://schemas.openxmlformats.org/officeDocument/2006/relationships" xmlns:p="http://schemas.openxmlformats.org/presentationml/2006/main">
+  <p:cSld>
+    <p:spTree>
+      <p:nvGrpSpPr>
+        <p:cNvPr id="1" name=""/>
+        <p:cNvGrpSpPr/>
+        <p:nvPr/>
+      </p:nvGrpSpPr>
+      <p:grpSpPr>
+        <a:xfrm>
+          <a:off x="0" y="0"/>
+          <a:ext cx="0" cy="0"/>
+          <a:chOff x="0" y="0"/>
+          <a:chExt cx="0" cy="0"/>
+        </a:xfrm>
+      </p:grpSpPr>
+      <p:sp>
+        <p:nvSpPr>
+          <p:cNvPr id="2" name="Title 1"/>
+          <p:cNvSpPr>
+            <a:spLocks noGrp="1"/>
+          </p:cNvSpPr>
+          <p:nvPr>
+            <p:ph type="title"/>
+          </p:nvPr>
+        </p:nvSpPr>
+        <p:spPr/>
+        <p:txBody>
+          <a:bodyPr/>
+          <a:lstStyle/>
+          <a:p>
+            <a:pPr algn="ctr"/>
+            <a:r>
+              <a:rPr lang="en-US" dirty="0" smtClean="0"/>
+              <a:t>Group Members</a:t>
+            </a:r>
+            <a:br>
+              <a:rPr lang="en-US" dirty="0" smtClean="0"/>
+            </a:br>
+            <a:endParaRPr lang="en-US" dirty="0"/>
+          </a:p>
+        </p:txBody>
+      </p:sp>
+      <p:sp>
+        <p:nvSpPr>
+          <p:cNvPr id="3" name="Content Placeholder 2"/>
+          <p:cNvSpPr>
+            <a:spLocks noGrp="1"/>
+          </p:cNvSpPr>
+          <p:nvPr>
+            <p:ph idx="1"/>
+          </p:nvPr>
+        </p:nvSpPr>
+        <p:spPr/>
+        <p:txBody>
+          <a:bodyPr/>
+          <a:lstStyle/>
+          <a:p>
+            <a:r>
+              <a:rPr lang="en-US" dirty="0" smtClean="0"/>
+              <a:t>Limon </a:t>
+            </a:r>
+            <a:r>
+              <a:rPr lang="en-US" dirty="0" err="1" smtClean="0"/>
+              <a:t>Motin</a:t>
+            </a:r>
+            <a:r>
+              <a:rPr lang="en-US" smtClean="0"/>
+              <a:t> - 1620902042</a:t>
+            </a:r>
+            <a:endParaRPr lang="en-US" dirty="0"/>
+          </a:p>
+        </p:txBody>
+      </p:sp>
+    </p:spTree>
+    <p:extLst>
+      <p:ext uri="{BB962C8B-B14F-4D97-AF65-F5344CB8AC3E}">
+        <p14:creationId xmlns:p14="http://schemas.microsoft.com/office/powerpoint/2010/main" val="383309804"/>
+      </p:ext>
+    </p:extLst>
+  </p:cSld>
+  <p:clrMapOvr>
+    <a:masterClrMapping/>
+  </p:clrMapOvr>
+</p:sld>
+</file>
+
 <file path=ppt/theme/theme1.xml><?xml version="1.0" encoding="utf-8"?>
 <a:theme xmlns:a="http://schemas.openxmlformats.org/drawingml/2006/main" name="Ion">
   <a:themeElements>

--- a/Project Idea.pptx
+++ b/Project Idea.pptx
@@ -6109,7 +6109,7 @@
           <a:p>
             <a:r>
               <a:rPr lang="en-US" dirty="0" smtClean="0"/>
-              <a:t>Project Idea</a:t>
+              <a:t>Pizza Ordering App</a:t>
             </a:r>
             <a:endParaRPr lang="en-US" dirty="0"/>
           </a:p>

--- a/Project Idea.pptx
+++ b/Project Idea.pptx
@@ -155,7 +155,7 @@
           </a:lstStyle>
           <a:p>
             <a:r>
-              <a:rPr lang="en-US" smtClean="0"/>
+              <a:rPr lang="en-US"/>
               <a:t>Click to edit Master title style</a:t>
             </a:r>
             <a:endParaRPr lang="en-US" dirty="0"/>
@@ -275,7 +275,7 @@
           </a:lstStyle>
           <a:p>
             <a:r>
-              <a:rPr lang="en-US" smtClean="0"/>
+              <a:rPr lang="en-US"/>
               <a:t>Click to edit Master subtitle style</a:t>
             </a:r>
             <a:endParaRPr lang="en-US" dirty="0"/>
@@ -404,7 +404,7 @@
           </a:lstStyle>
           <a:p>
             <a:r>
-              <a:rPr lang="en-US" smtClean="0"/>
+              <a:rPr lang="en-US"/>
               <a:t>Click to edit Master title style</a:t>
             </a:r>
             <a:endParaRPr lang="en-US" dirty="0"/>
@@ -483,7 +483,7 @@
           </a:lstStyle>
           <a:p>
             <a:r>
-              <a:rPr lang="en-US" smtClean="0"/>
+              <a:rPr lang="en-US"/>
               <a:t>Click icon to add picture</a:t>
             </a:r>
             <a:endParaRPr lang="en-US" dirty="0"/>
@@ -551,7 +551,7 @@
           <a:p>
             <a:pPr lvl="0"/>
             <a:r>
-              <a:rPr lang="en-US" smtClean="0"/>
+              <a:rPr lang="en-US"/>
               <a:t>Click to edit Master text styles</a:t>
             </a:r>
           </a:p>
@@ -677,7 +677,7 @@
           </a:lstStyle>
           <a:p>
             <a:r>
-              <a:rPr lang="en-US" smtClean="0"/>
+              <a:rPr lang="en-US"/>
               <a:t>Click to edit Master title style</a:t>
             </a:r>
             <a:endParaRPr lang="en-US" dirty="0"/>
@@ -745,7 +745,7 @@
           <a:p>
             <a:pPr lvl="0"/>
             <a:r>
-              <a:rPr lang="en-US" smtClean="0"/>
+              <a:rPr lang="en-US"/>
               <a:t>Click to edit Master text styles</a:t>
             </a:r>
           </a:p>
@@ -871,7 +871,7 @@
           </a:lstStyle>
           <a:p>
             <a:r>
-              <a:rPr lang="en-US" smtClean="0"/>
+              <a:rPr lang="en-US"/>
               <a:t>Click to edit Master title style</a:t>
             </a:r>
             <a:endParaRPr lang="en-US" dirty="0"/>
@@ -951,7 +951,7 @@
               <a:buNone/>
             </a:pPr>
             <a:r>
-              <a:rPr lang="en-US" smtClean="0"/>
+              <a:rPr lang="en-US"/>
               <a:t>Click to edit Master text styles</a:t>
             </a:r>
           </a:p>
@@ -1018,7 +1018,7 @@
           <a:p>
             <a:pPr lvl="0"/>
             <a:r>
-              <a:rPr lang="en-US" smtClean="0"/>
+              <a:rPr lang="en-US"/>
               <a:t>Click to edit Master text styles</a:t>
             </a:r>
           </a:p>
@@ -1238,7 +1238,7 @@
           </a:lstStyle>
           <a:p>
             <a:r>
-              <a:rPr lang="en-US" smtClean="0"/>
+              <a:rPr lang="en-US"/>
               <a:t>Click to edit Master title style</a:t>
             </a:r>
             <a:endParaRPr lang="en-US" dirty="0"/>
@@ -1359,7 +1359,7 @@
           <a:p>
             <a:pPr lvl="0"/>
             <a:r>
-              <a:rPr lang="en-US" smtClean="0"/>
+              <a:rPr lang="en-US"/>
               <a:t>Click to edit Master text styles</a:t>
             </a:r>
           </a:p>
@@ -1480,7 +1480,7 @@
           </a:lstStyle>
           <a:p>
             <a:r>
-              <a:rPr lang="en-US" smtClean="0"/>
+              <a:rPr lang="en-US"/>
               <a:t>Click to edit Master title style</a:t>
             </a:r>
             <a:endParaRPr lang="en-US" dirty="0"/>
@@ -1555,7 +1555,7 @@
           <a:p>
             <a:pPr lvl="0"/>
             <a:r>
-              <a:rPr lang="en-US" smtClean="0"/>
+              <a:rPr lang="en-US"/>
               <a:t>Click to edit Master text styles</a:t>
             </a:r>
           </a:p>
@@ -1622,7 +1622,7 @@
           <a:p>
             <a:pPr lvl="0"/>
             <a:r>
-              <a:rPr lang="en-US" smtClean="0"/>
+              <a:rPr lang="en-US"/>
               <a:t>Click to edit Master text styles</a:t>
             </a:r>
           </a:p>
@@ -1696,7 +1696,7 @@
           <a:p>
             <a:pPr lvl="0"/>
             <a:r>
-              <a:rPr lang="en-US" smtClean="0"/>
+              <a:rPr lang="en-US"/>
               <a:t>Click to edit Master text styles</a:t>
             </a:r>
           </a:p>
@@ -1763,7 +1763,7 @@
           <a:p>
             <a:pPr lvl="0"/>
             <a:r>
-              <a:rPr lang="en-US" smtClean="0"/>
+              <a:rPr lang="en-US"/>
               <a:t>Click to edit Master text styles</a:t>
             </a:r>
           </a:p>
@@ -1837,7 +1837,7 @@
           <a:p>
             <a:pPr lvl="0"/>
             <a:r>
-              <a:rPr lang="en-US" smtClean="0"/>
+              <a:rPr lang="en-US"/>
               <a:t>Click to edit Master text styles</a:t>
             </a:r>
           </a:p>
@@ -1904,7 +1904,7 @@
           <a:p>
             <a:pPr lvl="0"/>
             <a:r>
-              <a:rPr lang="en-US" smtClean="0"/>
+              <a:rPr lang="en-US"/>
               <a:t>Click to edit Master text styles</a:t>
             </a:r>
           </a:p>
@@ -2103,7 +2103,7 @@
           </a:lstStyle>
           <a:p>
             <a:r>
-              <a:rPr lang="en-US" smtClean="0"/>
+              <a:rPr lang="en-US"/>
               <a:t>Click to edit Master title style</a:t>
             </a:r>
             <a:endParaRPr lang="en-US" dirty="0"/>
@@ -2178,7 +2178,7 @@
           <a:p>
             <a:pPr lvl="0"/>
             <a:r>
-              <a:rPr lang="en-US" smtClean="0"/>
+              <a:rPr lang="en-US"/>
               <a:t>Click to edit Master text styles</a:t>
             </a:r>
           </a:p>
@@ -2256,7 +2256,7 @@
           </a:lstStyle>
           <a:p>
             <a:r>
-              <a:rPr lang="en-US" smtClean="0"/>
+              <a:rPr lang="en-US"/>
               <a:t>Click icon to add picture</a:t>
             </a:r>
             <a:endParaRPr lang="en-US" dirty="0"/>
@@ -2324,7 +2324,7 @@
           <a:p>
             <a:pPr lvl="0"/>
             <a:r>
-              <a:rPr lang="en-US" smtClean="0"/>
+              <a:rPr lang="en-US"/>
               <a:t>Click to edit Master text styles</a:t>
             </a:r>
           </a:p>
@@ -2398,7 +2398,7 @@
           <a:p>
             <a:pPr lvl="0"/>
             <a:r>
-              <a:rPr lang="en-US" smtClean="0"/>
+              <a:rPr lang="en-US"/>
               <a:t>Click to edit Master text styles</a:t>
             </a:r>
           </a:p>
@@ -2476,7 +2476,7 @@
           </a:lstStyle>
           <a:p>
             <a:r>
-              <a:rPr lang="en-US" smtClean="0"/>
+              <a:rPr lang="en-US"/>
               <a:t>Click icon to add picture</a:t>
             </a:r>
             <a:endParaRPr lang="en-US" dirty="0"/>
@@ -2544,7 +2544,7 @@
           <a:p>
             <a:pPr lvl="0"/>
             <a:r>
-              <a:rPr lang="en-US" smtClean="0"/>
+              <a:rPr lang="en-US"/>
               <a:t>Click to edit Master text styles</a:t>
             </a:r>
           </a:p>
@@ -2618,7 +2618,7 @@
           <a:p>
             <a:pPr lvl="0"/>
             <a:r>
-              <a:rPr lang="en-US" smtClean="0"/>
+              <a:rPr lang="en-US"/>
               <a:t>Click to edit Master text styles</a:t>
             </a:r>
           </a:p>
@@ -2696,7 +2696,7 @@
           </a:lstStyle>
           <a:p>
             <a:r>
-              <a:rPr lang="en-US" smtClean="0"/>
+              <a:rPr lang="en-US"/>
               <a:t>Click icon to add picture</a:t>
             </a:r>
             <a:endParaRPr lang="en-US" dirty="0"/>
@@ -2764,7 +2764,7 @@
           <a:p>
             <a:pPr lvl="0"/>
             <a:r>
-              <a:rPr lang="en-US" smtClean="0"/>
+              <a:rPr lang="en-US"/>
               <a:t>Click to edit Master text styles</a:t>
             </a:r>
           </a:p>
@@ -2959,7 +2959,7 @@
           <a:lstStyle/>
           <a:p>
             <a:r>
-              <a:rPr lang="en-US" smtClean="0"/>
+              <a:rPr lang="en-US"/>
               <a:t>Click to edit Master title style</a:t>
             </a:r>
             <a:endParaRPr lang="en-US" dirty="0"/>
@@ -2983,35 +2983,35 @@
           <a:p>
             <a:pPr lvl="0"/>
             <a:r>
-              <a:rPr lang="en-US" smtClean="0"/>
+              <a:rPr lang="en-US"/>
               <a:t>Click to edit Master text styles</a:t>
             </a:r>
           </a:p>
           <a:p>
             <a:pPr lvl="1"/>
             <a:r>
-              <a:rPr lang="en-US" smtClean="0"/>
+              <a:rPr lang="en-US"/>
               <a:t>Second level</a:t>
             </a:r>
           </a:p>
           <a:p>
             <a:pPr lvl="2"/>
             <a:r>
-              <a:rPr lang="en-US" smtClean="0"/>
+              <a:rPr lang="en-US"/>
               <a:t>Third level</a:t>
             </a:r>
           </a:p>
           <a:p>
             <a:pPr lvl="3"/>
             <a:r>
-              <a:rPr lang="en-US" smtClean="0"/>
+              <a:rPr lang="en-US"/>
               <a:t>Fourth level</a:t>
             </a:r>
           </a:p>
           <a:p>
             <a:pPr lvl="4"/>
             <a:r>
-              <a:rPr lang="en-US" smtClean="0"/>
+              <a:rPr lang="en-US"/>
               <a:t>Fifth level</a:t>
             </a:r>
             <a:endParaRPr lang="en-US" dirty="0"/>
@@ -3134,7 +3134,7 @@
           <a:lstStyle/>
           <a:p>
             <a:r>
-              <a:rPr lang="en-US" smtClean="0"/>
+              <a:rPr lang="en-US"/>
               <a:t>Click to edit Master title style</a:t>
             </a:r>
             <a:endParaRPr lang="en-US" dirty="0"/>
@@ -3163,35 +3163,35 @@
           <a:p>
             <a:pPr lvl="0"/>
             <a:r>
-              <a:rPr lang="en-US" smtClean="0"/>
+              <a:rPr lang="en-US"/>
               <a:t>Click to edit Master text styles</a:t>
             </a:r>
           </a:p>
           <a:p>
             <a:pPr lvl="1"/>
             <a:r>
-              <a:rPr lang="en-US" smtClean="0"/>
+              <a:rPr lang="en-US"/>
               <a:t>Second level</a:t>
             </a:r>
           </a:p>
           <a:p>
             <a:pPr lvl="2"/>
             <a:r>
-              <a:rPr lang="en-US" smtClean="0"/>
+              <a:rPr lang="en-US"/>
               <a:t>Third level</a:t>
             </a:r>
           </a:p>
           <a:p>
             <a:pPr lvl="3"/>
             <a:r>
-              <a:rPr lang="en-US" smtClean="0"/>
+              <a:rPr lang="en-US"/>
               <a:t>Fourth level</a:t>
             </a:r>
           </a:p>
           <a:p>
             <a:pPr lvl="4"/>
             <a:r>
-              <a:rPr lang="en-US" smtClean="0"/>
+              <a:rPr lang="en-US"/>
               <a:t>Fifth level</a:t>
             </a:r>
             <a:endParaRPr lang="en-US" dirty="0"/>
@@ -3309,7 +3309,7 @@
           <a:lstStyle/>
           <a:p>
             <a:r>
-              <a:rPr lang="en-US" smtClean="0"/>
+              <a:rPr lang="en-US"/>
               <a:t>Click to edit Master title style</a:t>
             </a:r>
             <a:endParaRPr lang="en-US" dirty="0"/>
@@ -3333,35 +3333,35 @@
           <a:p>
             <a:pPr lvl="0"/>
             <a:r>
-              <a:rPr lang="en-US" smtClean="0"/>
+              <a:rPr lang="en-US"/>
               <a:t>Click to edit Master text styles</a:t>
             </a:r>
           </a:p>
           <a:p>
             <a:pPr lvl="1"/>
             <a:r>
-              <a:rPr lang="en-US" smtClean="0"/>
+              <a:rPr lang="en-US"/>
               <a:t>Second level</a:t>
             </a:r>
           </a:p>
           <a:p>
             <a:pPr lvl="2"/>
             <a:r>
-              <a:rPr lang="en-US" smtClean="0"/>
+              <a:rPr lang="en-US"/>
               <a:t>Third level</a:t>
             </a:r>
           </a:p>
           <a:p>
             <a:pPr lvl="3"/>
             <a:r>
-              <a:rPr lang="en-US" smtClean="0"/>
+              <a:rPr lang="en-US"/>
               <a:t>Fourth level</a:t>
             </a:r>
           </a:p>
           <a:p>
             <a:pPr lvl="4"/>
             <a:r>
-              <a:rPr lang="en-US" smtClean="0"/>
+              <a:rPr lang="en-US"/>
               <a:t>Fifth level</a:t>
             </a:r>
             <a:endParaRPr lang="en-US" dirty="0"/>
@@ -3488,7 +3488,7 @@
           </a:lstStyle>
           <a:p>
             <a:r>
-              <a:rPr lang="en-US" smtClean="0"/>
+              <a:rPr lang="en-US"/>
               <a:t>Click to edit Master title style</a:t>
             </a:r>
             <a:endParaRPr lang="en-US" dirty="0"/>
@@ -3609,7 +3609,7 @@
           <a:p>
             <a:pPr lvl="0"/>
             <a:r>
-              <a:rPr lang="en-US" smtClean="0"/>
+              <a:rPr lang="en-US"/>
               <a:t>Click to edit Master text styles</a:t>
             </a:r>
           </a:p>
@@ -3726,7 +3726,7 @@
           <a:lstStyle/>
           <a:p>
             <a:r>
-              <a:rPr lang="en-US" smtClean="0"/>
+              <a:rPr lang="en-US"/>
               <a:t>Click to edit Master title style</a:t>
             </a:r>
             <a:endParaRPr lang="en-US" dirty="0"/>
@@ -3785,35 +3785,35 @@
           <a:p>
             <a:pPr lvl="0"/>
             <a:r>
-              <a:rPr lang="en-US" smtClean="0"/>
+              <a:rPr lang="en-US"/>
               <a:t>Click to edit Master text styles</a:t>
             </a:r>
           </a:p>
           <a:p>
             <a:pPr lvl="1"/>
             <a:r>
-              <a:rPr lang="en-US" smtClean="0"/>
+              <a:rPr lang="en-US"/>
               <a:t>Second level</a:t>
             </a:r>
           </a:p>
           <a:p>
             <a:pPr lvl="2"/>
             <a:r>
-              <a:rPr lang="en-US" smtClean="0"/>
+              <a:rPr lang="en-US"/>
               <a:t>Third level</a:t>
             </a:r>
           </a:p>
           <a:p>
             <a:pPr lvl="3"/>
             <a:r>
-              <a:rPr lang="en-US" smtClean="0"/>
+              <a:rPr lang="en-US"/>
               <a:t>Fourth level</a:t>
             </a:r>
           </a:p>
           <a:p>
             <a:pPr lvl="4"/>
             <a:r>
-              <a:rPr lang="en-US" smtClean="0"/>
+              <a:rPr lang="en-US"/>
               <a:t>Fifth level</a:t>
             </a:r>
             <a:endParaRPr lang="en-US" dirty="0"/>
@@ -3872,35 +3872,35 @@
           <a:p>
             <a:pPr lvl="0"/>
             <a:r>
-              <a:rPr lang="en-US" smtClean="0"/>
+              <a:rPr lang="en-US"/>
               <a:t>Click to edit Master text styles</a:t>
             </a:r>
           </a:p>
           <a:p>
             <a:pPr lvl="1"/>
             <a:r>
-              <a:rPr lang="en-US" smtClean="0"/>
+              <a:rPr lang="en-US"/>
               <a:t>Second level</a:t>
             </a:r>
           </a:p>
           <a:p>
             <a:pPr lvl="2"/>
             <a:r>
-              <a:rPr lang="en-US" smtClean="0"/>
+              <a:rPr lang="en-US"/>
               <a:t>Third level</a:t>
             </a:r>
           </a:p>
           <a:p>
             <a:pPr lvl="3"/>
             <a:r>
-              <a:rPr lang="en-US" smtClean="0"/>
+              <a:rPr lang="en-US"/>
               <a:t>Fourth level</a:t>
             </a:r>
           </a:p>
           <a:p>
             <a:pPr lvl="4"/>
             <a:r>
-              <a:rPr lang="en-US" smtClean="0"/>
+              <a:rPr lang="en-US"/>
               <a:t>Fifth level</a:t>
             </a:r>
             <a:endParaRPr lang="en-US" dirty="0"/>
@@ -4022,7 +4022,7 @@
           </a:lstStyle>
           <a:p>
             <a:r>
-              <a:rPr lang="en-US" smtClean="0"/>
+              <a:rPr lang="en-US"/>
               <a:t>Click to edit Master title style</a:t>
             </a:r>
             <a:endParaRPr lang="en-US" dirty="0"/>
@@ -4097,7 +4097,7 @@
           <a:p>
             <a:pPr lvl="0"/>
             <a:r>
-              <a:rPr lang="en-US" smtClean="0"/>
+              <a:rPr lang="en-US"/>
               <a:t>Click to edit Master text styles</a:t>
             </a:r>
           </a:p>
@@ -4155,35 +4155,35 @@
           <a:p>
             <a:pPr lvl="0"/>
             <a:r>
-              <a:rPr lang="en-US" smtClean="0"/>
+              <a:rPr lang="en-US"/>
               <a:t>Click to edit Master text styles</a:t>
             </a:r>
           </a:p>
           <a:p>
             <a:pPr lvl="1"/>
             <a:r>
-              <a:rPr lang="en-US" smtClean="0"/>
+              <a:rPr lang="en-US"/>
               <a:t>Second level</a:t>
             </a:r>
           </a:p>
           <a:p>
             <a:pPr lvl="2"/>
             <a:r>
-              <a:rPr lang="en-US" smtClean="0"/>
+              <a:rPr lang="en-US"/>
               <a:t>Third level</a:t>
             </a:r>
           </a:p>
           <a:p>
             <a:pPr lvl="3"/>
             <a:r>
-              <a:rPr lang="en-US" smtClean="0"/>
+              <a:rPr lang="en-US"/>
               <a:t>Fourth level</a:t>
             </a:r>
           </a:p>
           <a:p>
             <a:pPr lvl="4"/>
             <a:r>
-              <a:rPr lang="en-US" smtClean="0"/>
+              <a:rPr lang="en-US"/>
               <a:t>Fifth level</a:t>
             </a:r>
             <a:endParaRPr lang="en-US" dirty="0"/>
@@ -4258,7 +4258,7 @@
           <a:p>
             <a:pPr lvl="0"/>
             <a:r>
-              <a:rPr lang="en-US" smtClean="0"/>
+              <a:rPr lang="en-US"/>
               <a:t>Click to edit Master text styles</a:t>
             </a:r>
           </a:p>
@@ -4316,35 +4316,35 @@
           <a:p>
             <a:pPr lvl="0"/>
             <a:r>
-              <a:rPr lang="en-US" smtClean="0"/>
+              <a:rPr lang="en-US"/>
               <a:t>Click to edit Master text styles</a:t>
             </a:r>
           </a:p>
           <a:p>
             <a:pPr lvl="1"/>
             <a:r>
-              <a:rPr lang="en-US" smtClean="0"/>
+              <a:rPr lang="en-US"/>
               <a:t>Second level</a:t>
             </a:r>
           </a:p>
           <a:p>
             <a:pPr lvl="2"/>
             <a:r>
-              <a:rPr lang="en-US" smtClean="0"/>
+              <a:rPr lang="en-US"/>
               <a:t>Third level</a:t>
             </a:r>
           </a:p>
           <a:p>
             <a:pPr lvl="3"/>
             <a:r>
-              <a:rPr lang="en-US" smtClean="0"/>
+              <a:rPr lang="en-US"/>
               <a:t>Fourth level</a:t>
             </a:r>
           </a:p>
           <a:p>
             <a:pPr lvl="4"/>
             <a:r>
-              <a:rPr lang="en-US" smtClean="0"/>
+              <a:rPr lang="en-US"/>
               <a:t>Fifth level</a:t>
             </a:r>
             <a:endParaRPr lang="en-US" dirty="0"/>
@@ -4462,7 +4462,7 @@
           <a:lstStyle/>
           <a:p>
             <a:r>
-              <a:rPr lang="en-US" smtClean="0"/>
+              <a:rPr lang="en-US"/>
               <a:t>Click to edit Master title style</a:t>
             </a:r>
             <a:endParaRPr lang="en-US" dirty="0"/>
@@ -4684,7 +4684,7 @@
           </a:lstStyle>
           <a:p>
             <a:r>
-              <a:rPr lang="en-US" smtClean="0"/>
+              <a:rPr lang="en-US"/>
               <a:t>Click to edit Master title style</a:t>
             </a:r>
             <a:endParaRPr lang="en-US" dirty="0"/>
@@ -4743,35 +4743,35 @@
           <a:p>
             <a:pPr lvl="0"/>
             <a:r>
-              <a:rPr lang="en-US" smtClean="0"/>
+              <a:rPr lang="en-US"/>
               <a:t>Click to edit Master text styles</a:t>
             </a:r>
           </a:p>
           <a:p>
             <a:pPr lvl="1"/>
             <a:r>
-              <a:rPr lang="en-US" smtClean="0"/>
+              <a:rPr lang="en-US"/>
               <a:t>Second level</a:t>
             </a:r>
           </a:p>
           <a:p>
             <a:pPr lvl="2"/>
             <a:r>
-              <a:rPr lang="en-US" smtClean="0"/>
+              <a:rPr lang="en-US"/>
               <a:t>Third level</a:t>
             </a:r>
           </a:p>
           <a:p>
             <a:pPr lvl="3"/>
             <a:r>
-              <a:rPr lang="en-US" smtClean="0"/>
+              <a:rPr lang="en-US"/>
               <a:t>Fourth level</a:t>
             </a:r>
           </a:p>
           <a:p>
             <a:pPr lvl="4"/>
             <a:r>
-              <a:rPr lang="en-US" smtClean="0"/>
+              <a:rPr lang="en-US"/>
               <a:t>Fifth level</a:t>
             </a:r>
             <a:endParaRPr lang="en-US" dirty="0"/>
@@ -4837,7 +4837,7 @@
           <a:p>
             <a:pPr lvl="0"/>
             <a:r>
-              <a:rPr lang="en-US" smtClean="0"/>
+              <a:rPr lang="en-US"/>
               <a:t>Click to edit Master text styles</a:t>
             </a:r>
           </a:p>
@@ -4965,7 +4965,7 @@
           </a:lstStyle>
           <a:p>
             <a:r>
-              <a:rPr lang="en-US" smtClean="0"/>
+              <a:rPr lang="en-US"/>
               <a:t>Click to edit Master title style</a:t>
             </a:r>
             <a:endParaRPr lang="en-US" dirty="0"/>
@@ -5044,7 +5044,7 @@
           </a:lstStyle>
           <a:p>
             <a:r>
-              <a:rPr lang="en-US" smtClean="0"/>
+              <a:rPr lang="en-US"/>
               <a:t>Click icon to add picture</a:t>
             </a:r>
             <a:endParaRPr lang="en-US" dirty="0"/>
@@ -5112,7 +5112,7 @@
           <a:p>
             <a:pPr lvl="0"/>
             <a:r>
-              <a:rPr lang="en-US" smtClean="0"/>
+              <a:rPr lang="en-US"/>
               <a:t>Click to edit Master text styles</a:t>
             </a:r>
           </a:p>
@@ -5459,7 +5459,7 @@
           <a:lstStyle/>
           <a:p>
             <a:r>
-              <a:rPr lang="en-US" smtClean="0"/>
+              <a:rPr lang="en-US"/>
               <a:t>Click to edit Master title style</a:t>
             </a:r>
             <a:endParaRPr lang="en-US" dirty="0"/>
@@ -5493,35 +5493,35 @@
           <a:p>
             <a:pPr lvl="0"/>
             <a:r>
-              <a:rPr lang="en-US" smtClean="0"/>
+              <a:rPr lang="en-US"/>
               <a:t>Click to edit Master text styles</a:t>
             </a:r>
           </a:p>
           <a:p>
             <a:pPr lvl="1"/>
             <a:r>
-              <a:rPr lang="en-US" smtClean="0"/>
+              <a:rPr lang="en-US"/>
               <a:t>Second level</a:t>
             </a:r>
           </a:p>
           <a:p>
             <a:pPr lvl="2"/>
             <a:r>
-              <a:rPr lang="en-US" smtClean="0"/>
+              <a:rPr lang="en-US"/>
               <a:t>Third level</a:t>
             </a:r>
           </a:p>
           <a:p>
             <a:pPr lvl="3"/>
             <a:r>
-              <a:rPr lang="en-US" smtClean="0"/>
+              <a:rPr lang="en-US"/>
               <a:t>Fourth level</a:t>
             </a:r>
           </a:p>
           <a:p>
             <a:pPr lvl="4"/>
             <a:r>
-              <a:rPr lang="en-US" smtClean="0"/>
+              <a:rPr lang="en-US"/>
               <a:t>Fifth level</a:t>
             </a:r>
             <a:endParaRPr lang="en-US" dirty="0"/>
@@ -6108,10 +6108,9 @@
           <a:lstStyle/>
           <a:p>
             <a:r>
-              <a:rPr lang="en-US" dirty="0" smtClean="0"/>
+              <a:rPr lang="en-US" dirty="0"/>
               <a:t>Project Idea</a:t>
             </a:r>
-            <a:endParaRPr lang="en-US" dirty="0"/>
           </a:p>
         </p:txBody>
       </p:sp>
@@ -6131,10 +6130,9 @@
           <a:lstStyle/>
           <a:p>
             <a:r>
-              <a:rPr lang="en-US" dirty="0" smtClean="0"/>
+              <a:rPr lang="en-US" dirty="0"/>
               <a:t>Group - 7</a:t>
             </a:r>
-            <a:endParaRPr lang="en-US" dirty="0"/>
           </a:p>
         </p:txBody>
       </p:sp>
@@ -6185,11 +6183,11 @@
           <a:p>
             <a:pPr algn="ctr"/>
             <a:r>
-              <a:rPr lang="en-US" dirty="0" smtClean="0"/>
+              <a:rPr lang="en-US" dirty="0"/>
               <a:t>Group Members</a:t>
             </a:r>
             <a:br>
-              <a:rPr lang="en-US" dirty="0" smtClean="0"/>
+              <a:rPr lang="en-US" dirty="0"/>
             </a:br>
             <a:endParaRPr lang="en-US" dirty="0"/>
           </a:p>
@@ -6211,18 +6209,15 @@
           <a:lstStyle/>
           <a:p>
             <a:r>
-              <a:rPr lang="en-US" dirty="0" smtClean="0"/>
-              <a:t>Limon </a:t>
-            </a:r>
-            <a:r>
-              <a:rPr lang="en-US" dirty="0" err="1" smtClean="0"/>
-              <a:t>Motin</a:t>
-            </a:r>
-            <a:r>
-              <a:rPr lang="en-US" smtClean="0"/>
-              <a:t> - 1620902042</a:t>
-            </a:r>
-            <a:endParaRPr lang="en-US" dirty="0"/>
+              <a:rPr lang="en-US" dirty="0"/>
+              <a:t>Limon Motin – 1620902042</a:t>
+            </a:r>
+          </a:p>
+          <a:p>
+            <a:r>
+              <a:rPr lang="en-US" dirty="0"/>
+              <a:t>Md. Golam Rabby Shuvo - 1620044062</a:t>
+            </a:r>
           </a:p>
         </p:txBody>
       </p:sp>

--- a/Project Idea.pptx
+++ b/Project Idea.pptx
@@ -7,6 +7,9 @@
   <p:sldIdLst>
     <p:sldId id="256" r:id="rId2"/>
     <p:sldId id="257" r:id="rId3"/>
+    <p:sldId id="258" r:id="rId4"/>
+    <p:sldId id="259" r:id="rId5"/>
+    <p:sldId id="260" r:id="rId6"/>
   </p:sldIdLst>
   <p:sldSz cx="12192000" cy="6858000"/>
   <p:notesSz cx="6858000" cy="9144000"/>
@@ -299,7 +302,7 @@
           <a:p>
             <a:fld id="{8F130E14-35ED-4B59-A77B-E2BF31B618FD}" type="datetimeFigureOut">
               <a:rPr lang="en-US" smtClean="0"/>
-              <a:t>2/11/2019</a:t>
+              <a:t>2/12/2019</a:t>
             </a:fld>
             <a:endParaRPr lang="en-US"/>
           </a:p>
@@ -574,7 +577,7 @@
           <a:p>
             <a:fld id="{8F130E14-35ED-4B59-A77B-E2BF31B618FD}" type="datetimeFigureOut">
               <a:rPr lang="en-US" smtClean="0"/>
-              <a:t>2/11/2019</a:t>
+              <a:t>2/12/2019</a:t>
             </a:fld>
             <a:endParaRPr lang="en-US"/>
           </a:p>
@@ -768,7 +771,7 @@
           <a:p>
             <a:fld id="{8F130E14-35ED-4B59-A77B-E2BF31B618FD}" type="datetimeFigureOut">
               <a:rPr lang="en-US" smtClean="0"/>
-              <a:t>2/11/2019</a:t>
+              <a:t>2/12/2019</a:t>
             </a:fld>
             <a:endParaRPr lang="en-US"/>
           </a:p>
@@ -1041,7 +1044,7 @@
           <a:p>
             <a:fld id="{8F130E14-35ED-4B59-A77B-E2BF31B618FD}" type="datetimeFigureOut">
               <a:rPr lang="en-US" smtClean="0"/>
-              <a:t>2/11/2019</a:t>
+              <a:t>2/12/2019</a:t>
             </a:fld>
             <a:endParaRPr lang="en-US"/>
           </a:p>
@@ -1382,7 +1385,7 @@
           <a:p>
             <a:fld id="{8F130E14-35ED-4B59-A77B-E2BF31B618FD}" type="datetimeFigureOut">
               <a:rPr lang="en-US" smtClean="0"/>
-              <a:t>2/11/2019</a:t>
+              <a:t>2/12/2019</a:t>
             </a:fld>
             <a:endParaRPr lang="en-US"/>
           </a:p>
@@ -2005,7 +2008,7 @@
           <a:p>
             <a:fld id="{8F130E14-35ED-4B59-A77B-E2BF31B618FD}" type="datetimeFigureOut">
               <a:rPr lang="en-US" smtClean="0"/>
-              <a:t>2/11/2019</a:t>
+              <a:t>2/12/2019</a:t>
             </a:fld>
             <a:endParaRPr lang="en-US"/>
           </a:p>
@@ -2865,7 +2868,7 @@
           <a:p>
             <a:fld id="{8F130E14-35ED-4B59-A77B-E2BF31B618FD}" type="datetimeFigureOut">
               <a:rPr lang="en-US" smtClean="0"/>
-              <a:t>2/11/2019</a:t>
+              <a:t>2/12/2019</a:t>
             </a:fld>
             <a:endParaRPr lang="en-US"/>
           </a:p>
@@ -3035,7 +3038,7 @@
           <a:p>
             <a:fld id="{8F130E14-35ED-4B59-A77B-E2BF31B618FD}" type="datetimeFigureOut">
               <a:rPr lang="en-US" smtClean="0"/>
-              <a:t>2/11/2019</a:t>
+              <a:t>2/12/2019</a:t>
             </a:fld>
             <a:endParaRPr lang="en-US"/>
           </a:p>
@@ -3215,7 +3218,7 @@
           <a:p>
             <a:fld id="{8F130E14-35ED-4B59-A77B-E2BF31B618FD}" type="datetimeFigureOut">
               <a:rPr lang="en-US" smtClean="0"/>
-              <a:t>2/11/2019</a:t>
+              <a:t>2/12/2019</a:t>
             </a:fld>
             <a:endParaRPr lang="en-US"/>
           </a:p>
@@ -3385,7 +3388,7 @@
           <a:p>
             <a:fld id="{8F130E14-35ED-4B59-A77B-E2BF31B618FD}" type="datetimeFigureOut">
               <a:rPr lang="en-US" smtClean="0"/>
-              <a:t>2/11/2019</a:t>
+              <a:t>2/12/2019</a:t>
             </a:fld>
             <a:endParaRPr lang="en-US"/>
           </a:p>
@@ -3632,7 +3635,7 @@
           <a:p>
             <a:fld id="{8F130E14-35ED-4B59-A77B-E2BF31B618FD}" type="datetimeFigureOut">
               <a:rPr lang="en-US" smtClean="0"/>
-              <a:t>2/11/2019</a:t>
+              <a:t>2/12/2019</a:t>
             </a:fld>
             <a:endParaRPr lang="en-US"/>
           </a:p>
@@ -3924,7 +3927,7 @@
           <a:p>
             <a:fld id="{8F130E14-35ED-4B59-A77B-E2BF31B618FD}" type="datetimeFigureOut">
               <a:rPr lang="en-US" smtClean="0"/>
-              <a:t>2/11/2019</a:t>
+              <a:t>2/12/2019</a:t>
             </a:fld>
             <a:endParaRPr lang="en-US"/>
           </a:p>
@@ -4368,7 +4371,7 @@
           <a:p>
             <a:fld id="{8F130E14-35ED-4B59-A77B-E2BF31B618FD}" type="datetimeFigureOut">
               <a:rPr lang="en-US" smtClean="0"/>
-              <a:t>2/11/2019</a:t>
+              <a:t>2/12/2019</a:t>
             </a:fld>
             <a:endParaRPr lang="en-US"/>
           </a:p>
@@ -4486,7 +4489,7 @@
           <a:p>
             <a:fld id="{8F130E14-35ED-4B59-A77B-E2BF31B618FD}" type="datetimeFigureOut">
               <a:rPr lang="en-US" smtClean="0"/>
-              <a:t>2/11/2019</a:t>
+              <a:t>2/12/2019</a:t>
             </a:fld>
             <a:endParaRPr lang="en-US"/>
           </a:p>
@@ -4581,7 +4584,7 @@
           <a:p>
             <a:fld id="{8F130E14-35ED-4B59-A77B-E2BF31B618FD}" type="datetimeFigureOut">
               <a:rPr lang="en-US" smtClean="0"/>
-              <a:t>2/11/2019</a:t>
+              <a:t>2/12/2019</a:t>
             </a:fld>
             <a:endParaRPr lang="en-US"/>
           </a:p>
@@ -4860,7 +4863,7 @@
           <a:p>
             <a:fld id="{8F130E14-35ED-4B59-A77B-E2BF31B618FD}" type="datetimeFigureOut">
               <a:rPr lang="en-US" smtClean="0"/>
-              <a:t>2/11/2019</a:t>
+              <a:t>2/12/2019</a:t>
             </a:fld>
             <a:endParaRPr lang="en-US"/>
           </a:p>
@@ -5135,7 +5138,7 @@
           <a:p>
             <a:fld id="{8F130E14-35ED-4B59-A77B-E2BF31B618FD}" type="datetimeFigureOut">
               <a:rPr lang="en-US" smtClean="0"/>
-              <a:t>2/11/2019</a:t>
+              <a:t>2/12/2019</a:t>
             </a:fld>
             <a:endParaRPr lang="en-US"/>
           </a:p>
@@ -5564,7 +5567,7 @@
           <a:p>
             <a:fld id="{8F130E14-35ED-4B59-A77B-E2BF31B618FD}" type="datetimeFigureOut">
               <a:rPr lang="en-US" smtClean="0"/>
-              <a:t>2/11/2019</a:t>
+              <a:t>2/12/2019</a:t>
             </a:fld>
             <a:endParaRPr lang="en-US"/>
           </a:p>
@@ -6102,11 +6105,23 @@
             <p:ph type="ctrTitle"/>
           </p:nvPr>
         </p:nvSpPr>
-        <p:spPr/>
-        <p:txBody>
-          <a:bodyPr/>
-          <a:lstStyle/>
-          <a:p>
+        <p:spPr>
+          <a:xfrm>
+            <a:off x="1154954" y="1447800"/>
+            <a:ext cx="9339543" cy="3329581"/>
+          </a:xfrm>
+        </p:spPr>
+        <p:txBody>
+          <a:bodyPr/>
+          <a:lstStyle/>
+          <a:p>
+            <a:r>
+              <a:rPr lang="en-US" sz="4000" dirty="0"/>
+              <a:t>CSE299–Junior Design</a:t>
+            </a:r>
+            <a:br>
+              <a:rPr lang="en-US" dirty="0"/>
+            </a:br>
             <a:r>
               <a:rPr lang="en-US" dirty="0"/>
               <a:t>Project Idea</a:t>
@@ -6225,6 +6240,333 @@
     <p:extLst>
       <p:ext uri="{BB962C8B-B14F-4D97-AF65-F5344CB8AC3E}">
         <p14:creationId xmlns:p14="http://schemas.microsoft.com/office/powerpoint/2010/main" val="383309804"/>
+      </p:ext>
+    </p:extLst>
+  </p:cSld>
+  <p:clrMapOvr>
+    <a:masterClrMapping/>
+  </p:clrMapOvr>
+</p:sld>
+</file>
+
+<file path=ppt/slides/slide3.xml><?xml version="1.0" encoding="utf-8"?>
+<p:sld xmlns:a="http://schemas.openxmlformats.org/drawingml/2006/main" xmlns:r="http://schemas.openxmlformats.org/officeDocument/2006/relationships" xmlns:p="http://schemas.openxmlformats.org/presentationml/2006/main">
+  <p:cSld>
+    <p:spTree>
+      <p:nvGrpSpPr>
+        <p:cNvPr id="1" name=""/>
+        <p:cNvGrpSpPr/>
+        <p:nvPr/>
+      </p:nvGrpSpPr>
+      <p:grpSpPr>
+        <a:xfrm>
+          <a:off x="0" y="0"/>
+          <a:ext cx="0" cy="0"/>
+          <a:chOff x="0" y="0"/>
+          <a:chExt cx="0" cy="0"/>
+        </a:xfrm>
+      </p:grpSpPr>
+      <p:sp>
+        <p:nvSpPr>
+          <p:cNvPr id="2" name="Title 1">
+            <a:extLst>
+              <a:ext uri="{FF2B5EF4-FFF2-40B4-BE49-F238E27FC236}">
+                <a16:creationId xmlns:a16="http://schemas.microsoft.com/office/drawing/2014/main" id="{EE621C6E-5F2F-4937-8865-C734D9453DA9}"/>
+              </a:ext>
+            </a:extLst>
+          </p:cNvPr>
+          <p:cNvSpPr>
+            <a:spLocks noGrp="1"/>
+          </p:cNvSpPr>
+          <p:nvPr>
+            <p:ph type="title"/>
+          </p:nvPr>
+        </p:nvSpPr>
+        <p:spPr/>
+        <p:txBody>
+          <a:bodyPr/>
+          <a:lstStyle/>
+          <a:p>
+            <a:pPr algn="ctr"/>
+            <a:r>
+              <a:rPr lang="en-US" dirty="0"/>
+              <a:t>Project Title</a:t>
+            </a:r>
+          </a:p>
+        </p:txBody>
+      </p:sp>
+      <p:sp>
+        <p:nvSpPr>
+          <p:cNvPr id="3" name="Content Placeholder 2">
+            <a:extLst>
+              <a:ext uri="{FF2B5EF4-FFF2-40B4-BE49-F238E27FC236}">
+                <a16:creationId xmlns:a16="http://schemas.microsoft.com/office/drawing/2014/main" id="{9B3291E1-A36B-46D7-A21B-323E368C741F}"/>
+              </a:ext>
+            </a:extLst>
+          </p:cNvPr>
+          <p:cNvSpPr>
+            <a:spLocks noGrp="1"/>
+          </p:cNvSpPr>
+          <p:nvPr>
+            <p:ph idx="1"/>
+          </p:nvPr>
+        </p:nvSpPr>
+        <p:spPr/>
+        <p:txBody>
+          <a:bodyPr>
+            <a:normAutofit/>
+          </a:bodyPr>
+          <a:lstStyle/>
+          <a:p>
+            <a:pPr marL="0" indent="0" algn="ctr">
+              <a:buNone/>
+            </a:pPr>
+            <a:r>
+              <a:rPr lang="en-US" sz="5400" dirty="0">
+                <a:solidFill>
+                  <a:srgbClr val="FFFF00"/>
+                </a:solidFill>
+              </a:rPr>
+              <a:t>“Pizza Ordering App”</a:t>
+            </a:r>
+          </a:p>
+        </p:txBody>
+      </p:sp>
+    </p:spTree>
+    <p:extLst>
+      <p:ext uri="{BB962C8B-B14F-4D97-AF65-F5344CB8AC3E}">
+        <p14:creationId xmlns:p14="http://schemas.microsoft.com/office/powerpoint/2010/main" val="1712861310"/>
+      </p:ext>
+    </p:extLst>
+  </p:cSld>
+  <p:clrMapOvr>
+    <a:masterClrMapping/>
+  </p:clrMapOvr>
+</p:sld>
+</file>
+
+<file path=ppt/slides/slide4.xml><?xml version="1.0" encoding="utf-8"?>
+<p:sld xmlns:a="http://schemas.openxmlformats.org/drawingml/2006/main" xmlns:r="http://schemas.openxmlformats.org/officeDocument/2006/relationships" xmlns:p="http://schemas.openxmlformats.org/presentationml/2006/main">
+  <p:cSld>
+    <p:spTree>
+      <p:nvGrpSpPr>
+        <p:cNvPr id="1" name=""/>
+        <p:cNvGrpSpPr/>
+        <p:nvPr/>
+      </p:nvGrpSpPr>
+      <p:grpSpPr>
+        <a:xfrm>
+          <a:off x="0" y="0"/>
+          <a:ext cx="0" cy="0"/>
+          <a:chOff x="0" y="0"/>
+          <a:chExt cx="0" cy="0"/>
+        </a:xfrm>
+      </p:grpSpPr>
+      <p:sp>
+        <p:nvSpPr>
+          <p:cNvPr id="2" name="Title 1">
+            <a:extLst>
+              <a:ext uri="{FF2B5EF4-FFF2-40B4-BE49-F238E27FC236}">
+                <a16:creationId xmlns:a16="http://schemas.microsoft.com/office/drawing/2014/main" id="{4C061A10-2833-452A-9105-DC825714EF23}"/>
+              </a:ext>
+            </a:extLst>
+          </p:cNvPr>
+          <p:cNvSpPr>
+            <a:spLocks noGrp="1"/>
+          </p:cNvSpPr>
+          <p:nvPr>
+            <p:ph type="title"/>
+          </p:nvPr>
+        </p:nvSpPr>
+        <p:spPr/>
+        <p:txBody>
+          <a:bodyPr/>
+          <a:lstStyle/>
+          <a:p>
+            <a:pPr algn="ctr"/>
+            <a:r>
+              <a:rPr lang="en-US" dirty="0"/>
+              <a:t>About Project</a:t>
+            </a:r>
+          </a:p>
+        </p:txBody>
+      </p:sp>
+      <p:sp>
+        <p:nvSpPr>
+          <p:cNvPr id="3" name="Content Placeholder 2">
+            <a:extLst>
+              <a:ext uri="{FF2B5EF4-FFF2-40B4-BE49-F238E27FC236}">
+                <a16:creationId xmlns:a16="http://schemas.microsoft.com/office/drawing/2014/main" id="{F07FC772-8746-4F46-A37C-B27A432E6A14}"/>
+              </a:ext>
+            </a:extLst>
+          </p:cNvPr>
+          <p:cNvSpPr>
+            <a:spLocks noGrp="1"/>
+          </p:cNvSpPr>
+          <p:nvPr>
+            <p:ph idx="1"/>
+          </p:nvPr>
+        </p:nvSpPr>
+        <p:spPr/>
+        <p:txBody>
+          <a:bodyPr/>
+          <a:lstStyle/>
+          <a:p>
+            <a:pPr marL="0" indent="0" algn="just">
+              <a:buNone/>
+            </a:pPr>
+            <a:r>
+              <a:rPr lang="en-US" dirty="0"/>
+              <a:t>Pizza Ordering App is based on the concept of making pizza orders. This application allows a user to order pizza online. The user has to enter their Name and Address, and then place an order by selecting Pizza size, Crust, and various Toppings. There are 4 types of Pizza available in this mini project, they are Small, Medium, Large and Party. The layout design is simple and it is used in different gadgets like tablets, smartphone &amp; even smart television.</a:t>
+            </a:r>
+          </a:p>
+        </p:txBody>
+      </p:sp>
+    </p:spTree>
+    <p:extLst>
+      <p:ext uri="{BB962C8B-B14F-4D97-AF65-F5344CB8AC3E}">
+        <p14:creationId xmlns:p14="http://schemas.microsoft.com/office/powerpoint/2010/main" val="2242988811"/>
+      </p:ext>
+    </p:extLst>
+  </p:cSld>
+  <p:clrMapOvr>
+    <a:masterClrMapping/>
+  </p:clrMapOvr>
+</p:sld>
+</file>
+
+<file path=ppt/slides/slide5.xml><?xml version="1.0" encoding="utf-8"?>
+<p:sld xmlns:a="http://schemas.openxmlformats.org/drawingml/2006/main" xmlns:r="http://schemas.openxmlformats.org/officeDocument/2006/relationships" xmlns:p="http://schemas.openxmlformats.org/presentationml/2006/main">
+  <p:cSld>
+    <p:spTree>
+      <p:nvGrpSpPr>
+        <p:cNvPr id="1" name=""/>
+        <p:cNvGrpSpPr/>
+        <p:nvPr/>
+      </p:nvGrpSpPr>
+      <p:grpSpPr>
+        <a:xfrm>
+          <a:off x="0" y="0"/>
+          <a:ext cx="0" cy="0"/>
+          <a:chOff x="0" y="0"/>
+          <a:chExt cx="0" cy="0"/>
+        </a:xfrm>
+      </p:grpSpPr>
+      <p:sp>
+        <p:nvSpPr>
+          <p:cNvPr id="2" name="Title 1">
+            <a:extLst>
+              <a:ext uri="{FF2B5EF4-FFF2-40B4-BE49-F238E27FC236}">
+                <a16:creationId xmlns:a16="http://schemas.microsoft.com/office/drawing/2014/main" id="{44E7957F-22C1-4E47-8B7C-6805AB00636A}"/>
+              </a:ext>
+            </a:extLst>
+          </p:cNvPr>
+          <p:cNvSpPr>
+            <a:spLocks noGrp="1"/>
+          </p:cNvSpPr>
+          <p:nvPr>
+            <p:ph type="title"/>
+          </p:nvPr>
+        </p:nvSpPr>
+        <p:spPr/>
+        <p:txBody>
+          <a:bodyPr/>
+          <a:lstStyle/>
+          <a:p>
+            <a:pPr algn="ctr"/>
+            <a:r>
+              <a:rPr lang="en-US" dirty="0"/>
+              <a:t>Project Requirements</a:t>
+            </a:r>
+          </a:p>
+        </p:txBody>
+      </p:sp>
+      <p:sp>
+        <p:nvSpPr>
+          <p:cNvPr id="3" name="Content Placeholder 2">
+            <a:extLst>
+              <a:ext uri="{FF2B5EF4-FFF2-40B4-BE49-F238E27FC236}">
+                <a16:creationId xmlns:a16="http://schemas.microsoft.com/office/drawing/2014/main" id="{072A5E65-883A-45DC-A7B8-883AE75097C4}"/>
+              </a:ext>
+            </a:extLst>
+          </p:cNvPr>
+          <p:cNvSpPr>
+            <a:spLocks noGrp="1"/>
+          </p:cNvSpPr>
+          <p:nvPr>
+            <p:ph idx="1"/>
+          </p:nvPr>
+        </p:nvSpPr>
+        <p:spPr/>
+        <p:txBody>
+          <a:bodyPr/>
+          <a:lstStyle/>
+          <a:p>
+            <a:pPr>
+              <a:buFont typeface="Wingdings" panose="05000000000000000000" pitchFamily="2" charset="2"/>
+              <a:buChar char="Ø"/>
+            </a:pPr>
+            <a:r>
+              <a:rPr lang="en-US" dirty="0"/>
+              <a:t>Android Studio</a:t>
+            </a:r>
+          </a:p>
+          <a:p>
+            <a:pPr>
+              <a:buFont typeface="Wingdings" panose="05000000000000000000" pitchFamily="2" charset="2"/>
+              <a:buChar char="Ø"/>
+            </a:pPr>
+            <a:r>
+              <a:rPr lang="en-US" dirty="0"/>
+              <a:t>Android SDK</a:t>
+            </a:r>
+          </a:p>
+          <a:p>
+            <a:pPr>
+              <a:buFont typeface="Wingdings" panose="05000000000000000000" pitchFamily="2" charset="2"/>
+              <a:buChar char="Ø"/>
+            </a:pPr>
+            <a:r>
+              <a:rPr lang="en-US" dirty="0"/>
+              <a:t>Firebase API</a:t>
+            </a:r>
+          </a:p>
+          <a:p>
+            <a:pPr>
+              <a:buFont typeface="Wingdings" panose="05000000000000000000" pitchFamily="2" charset="2"/>
+              <a:buChar char="Ø"/>
+            </a:pPr>
+            <a:r>
+              <a:rPr lang="en-US" dirty="0"/>
+              <a:t>Android Device</a:t>
+            </a:r>
+          </a:p>
+          <a:p>
+            <a:pPr>
+              <a:buFont typeface="Wingdings" panose="05000000000000000000" pitchFamily="2" charset="2"/>
+              <a:buChar char="Ø"/>
+            </a:pPr>
+            <a:r>
+              <a:rPr lang="en-US" dirty="0"/>
+              <a:t>Internet</a:t>
+            </a:r>
+          </a:p>
+          <a:p>
+            <a:pPr>
+              <a:buFont typeface="Wingdings" panose="05000000000000000000" pitchFamily="2" charset="2"/>
+              <a:buChar char="Ø"/>
+            </a:pPr>
+            <a:r>
+              <a:rPr lang="en-US" dirty="0"/>
+              <a:t>Java Language</a:t>
+            </a:r>
+          </a:p>
+        </p:txBody>
+      </p:sp>
+    </p:spTree>
+    <p:extLst>
+      <p:ext uri="{BB962C8B-B14F-4D97-AF65-F5344CB8AC3E}">
+        <p14:creationId xmlns:p14="http://schemas.microsoft.com/office/powerpoint/2010/main" val="2425525295"/>
       </p:ext>
     </p:extLst>
   </p:cSld>

--- a/Project Idea.pptx
+++ b/Project Idea.pptx
@@ -10,6 +10,7 @@
     <p:sldId id="258" r:id="rId4"/>
     <p:sldId id="259" r:id="rId5"/>
     <p:sldId id="260" r:id="rId6"/>
+    <p:sldId id="261" r:id="rId7"/>
   </p:sldIdLst>
   <p:sldSz cx="12192000" cy="6858000"/>
   <p:notesSz cx="6858000" cy="9144000"/>
@@ -6576,6 +6577,93 @@
 </p:sld>
 </file>
 
+<file path=ppt/slides/slide6.xml><?xml version="1.0" encoding="utf-8"?>
+<p:sld xmlns:a="http://schemas.openxmlformats.org/drawingml/2006/main" xmlns:r="http://schemas.openxmlformats.org/officeDocument/2006/relationships" xmlns:p="http://schemas.openxmlformats.org/presentationml/2006/main">
+  <p:cSld>
+    <p:spTree>
+      <p:nvGrpSpPr>
+        <p:cNvPr id="1" name=""/>
+        <p:cNvGrpSpPr/>
+        <p:nvPr/>
+      </p:nvGrpSpPr>
+      <p:grpSpPr>
+        <a:xfrm>
+          <a:off x="0" y="0"/>
+          <a:ext cx="0" cy="0"/>
+          <a:chOff x="0" y="0"/>
+          <a:chExt cx="0" cy="0"/>
+        </a:xfrm>
+      </p:grpSpPr>
+      <p:sp>
+        <p:nvSpPr>
+          <p:cNvPr id="2" name="Title 1">
+            <a:extLst>
+              <a:ext uri="{FF2B5EF4-FFF2-40B4-BE49-F238E27FC236}">
+                <a16:creationId xmlns:a16="http://schemas.microsoft.com/office/drawing/2014/main" id="{BB517D65-B75E-40C6-814F-AE2B01582EAA}"/>
+              </a:ext>
+            </a:extLst>
+          </p:cNvPr>
+          <p:cNvSpPr>
+            <a:spLocks noGrp="1"/>
+          </p:cNvSpPr>
+          <p:nvPr>
+            <p:ph type="title"/>
+          </p:nvPr>
+        </p:nvSpPr>
+        <p:spPr/>
+        <p:txBody>
+          <a:bodyPr/>
+          <a:lstStyle/>
+          <a:p>
+            <a:pPr algn="ctr"/>
+            <a:r>
+              <a:rPr lang="en-US" dirty="0"/>
+              <a:t>Conclusion</a:t>
+            </a:r>
+          </a:p>
+        </p:txBody>
+      </p:sp>
+      <p:sp>
+        <p:nvSpPr>
+          <p:cNvPr id="3" name="Content Placeholder 2">
+            <a:extLst>
+              <a:ext uri="{FF2B5EF4-FFF2-40B4-BE49-F238E27FC236}">
+                <a16:creationId xmlns:a16="http://schemas.microsoft.com/office/drawing/2014/main" id="{31300AFC-5212-4E2A-8081-0E1FE354AF51}"/>
+              </a:ext>
+            </a:extLst>
+          </p:cNvPr>
+          <p:cNvSpPr>
+            <a:spLocks noGrp="1"/>
+          </p:cNvSpPr>
+          <p:nvPr>
+            <p:ph idx="1"/>
+          </p:nvPr>
+        </p:nvSpPr>
+        <p:spPr/>
+        <p:txBody>
+          <a:bodyPr/>
+          <a:lstStyle/>
+          <a:p>
+            <a:pPr marL="0" indent="0">
+              <a:buNone/>
+            </a:pPr>
+            <a:endParaRPr lang="en-US" dirty="0"/>
+          </a:p>
+        </p:txBody>
+      </p:sp>
+    </p:spTree>
+    <p:extLst>
+      <p:ext uri="{BB962C8B-B14F-4D97-AF65-F5344CB8AC3E}">
+        <p14:creationId xmlns:p14="http://schemas.microsoft.com/office/powerpoint/2010/main" val="3546498272"/>
+      </p:ext>
+    </p:extLst>
+  </p:cSld>
+  <p:clrMapOvr>
+    <a:masterClrMapping/>
+  </p:clrMapOvr>
+</p:sld>
+</file>
+
 <file path=ppt/theme/theme1.xml><?xml version="1.0" encoding="utf-8"?>
 <a:theme xmlns:a="http://schemas.openxmlformats.org/drawingml/2006/main" name="Ion">
   <a:themeElements>

--- a/Project Idea.pptx
+++ b/Project Idea.pptx
@@ -6120,6 +6120,10 @@
               <a:rPr lang="en-US" sz="4000" dirty="0"/>
               <a:t>CSE299–Junior Design</a:t>
             </a:r>
+            <a:r>
+              <a:rPr lang="en-US" dirty="0"/>
+              <a:t/>
+            </a:r>
             <a:br>
               <a:rPr lang="en-US" dirty="0"/>
             </a:br>
@@ -6272,7 +6276,7 @@
           <p:cNvPr id="2" name="Title 1">
             <a:extLst>
               <a:ext uri="{FF2B5EF4-FFF2-40B4-BE49-F238E27FC236}">
-                <a16:creationId xmlns:a16="http://schemas.microsoft.com/office/drawing/2014/main" id="{EE621C6E-5F2F-4937-8865-C734D9453DA9}"/>
+                <a16:creationId xmlns:a16="http://schemas.microsoft.com/office/drawing/2014/main" xmlns="" id="{EE621C6E-5F2F-4937-8865-C734D9453DA9}"/>
               </a:ext>
             </a:extLst>
           </p:cNvPr>
@@ -6301,7 +6305,7 @@
           <p:cNvPr id="3" name="Content Placeholder 2">
             <a:extLst>
               <a:ext uri="{FF2B5EF4-FFF2-40B4-BE49-F238E27FC236}">
-                <a16:creationId xmlns:a16="http://schemas.microsoft.com/office/drawing/2014/main" id="{9B3291E1-A36B-46D7-A21B-323E368C741F}"/>
+                <a16:creationId xmlns:a16="http://schemas.microsoft.com/office/drawing/2014/main" xmlns="" id="{9B3291E1-A36B-46D7-A21B-323E368C741F}"/>
               </a:ext>
             </a:extLst>
           </p:cNvPr>
@@ -6368,7 +6372,7 @@
           <p:cNvPr id="2" name="Title 1">
             <a:extLst>
               <a:ext uri="{FF2B5EF4-FFF2-40B4-BE49-F238E27FC236}">
-                <a16:creationId xmlns:a16="http://schemas.microsoft.com/office/drawing/2014/main" id="{4C061A10-2833-452A-9105-DC825714EF23}"/>
+                <a16:creationId xmlns:a16="http://schemas.microsoft.com/office/drawing/2014/main" xmlns="" id="{4C061A10-2833-452A-9105-DC825714EF23}"/>
               </a:ext>
             </a:extLst>
           </p:cNvPr>
@@ -6397,7 +6401,7 @@
           <p:cNvPr id="3" name="Content Placeholder 2">
             <a:extLst>
               <a:ext uri="{FF2B5EF4-FFF2-40B4-BE49-F238E27FC236}">
-                <a16:creationId xmlns:a16="http://schemas.microsoft.com/office/drawing/2014/main" id="{F07FC772-8746-4F46-A37C-B27A432E6A14}"/>
+                <a16:creationId xmlns:a16="http://schemas.microsoft.com/office/drawing/2014/main" xmlns="" id="{F07FC772-8746-4F46-A37C-B27A432E6A14}"/>
               </a:ext>
             </a:extLst>
           </p:cNvPr>
@@ -6458,7 +6462,7 @@
           <p:cNvPr id="2" name="Title 1">
             <a:extLst>
               <a:ext uri="{FF2B5EF4-FFF2-40B4-BE49-F238E27FC236}">
-                <a16:creationId xmlns:a16="http://schemas.microsoft.com/office/drawing/2014/main" id="{44E7957F-22C1-4E47-8B7C-6805AB00636A}"/>
+                <a16:creationId xmlns:a16="http://schemas.microsoft.com/office/drawing/2014/main" xmlns="" id="{44E7957F-22C1-4E47-8B7C-6805AB00636A}"/>
               </a:ext>
             </a:extLst>
           </p:cNvPr>
@@ -6487,7 +6491,7 @@
           <p:cNvPr id="3" name="Content Placeholder 2">
             <a:extLst>
               <a:ext uri="{FF2B5EF4-FFF2-40B4-BE49-F238E27FC236}">
-                <a16:creationId xmlns:a16="http://schemas.microsoft.com/office/drawing/2014/main" id="{072A5E65-883A-45DC-A7B8-883AE75097C4}"/>
+                <a16:creationId xmlns:a16="http://schemas.microsoft.com/office/drawing/2014/main" xmlns="" id="{072A5E65-883A-45DC-A7B8-883AE75097C4}"/>
               </a:ext>
             </a:extLst>
           </p:cNvPr>
@@ -6599,7 +6603,7 @@
           <p:cNvPr id="2" name="Title 1">
             <a:extLst>
               <a:ext uri="{FF2B5EF4-FFF2-40B4-BE49-F238E27FC236}">
-                <a16:creationId xmlns:a16="http://schemas.microsoft.com/office/drawing/2014/main" id="{BB517D65-B75E-40C6-814F-AE2B01582EAA}"/>
+                <a16:creationId xmlns:a16="http://schemas.microsoft.com/office/drawing/2014/main" xmlns="" id="{BB517D65-B75E-40C6-814F-AE2B01582EAA}"/>
               </a:ext>
             </a:extLst>
           </p:cNvPr>
@@ -6610,7 +6614,12 @@
             <p:ph type="title"/>
           </p:nvPr>
         </p:nvSpPr>
-        <p:spPr/>
+        <p:spPr>
+          <a:xfrm>
+            <a:off x="934841" y="950658"/>
+            <a:ext cx="9404723" cy="1400530"/>
+          </a:xfrm>
+        </p:spPr>
         <p:txBody>
           <a:bodyPr/>
           <a:lstStyle/>
@@ -6628,7 +6637,7 @@
           <p:cNvPr id="3" name="Content Placeholder 2">
             <a:extLst>
               <a:ext uri="{FF2B5EF4-FFF2-40B4-BE49-F238E27FC236}">
-                <a16:creationId xmlns:a16="http://schemas.microsoft.com/office/drawing/2014/main" id="{31300AFC-5212-4E2A-8081-0E1FE354AF51}"/>
+                <a16:creationId xmlns:a16="http://schemas.microsoft.com/office/drawing/2014/main" xmlns="" id="{31300AFC-5212-4E2A-8081-0E1FE354AF51}"/>
               </a:ext>
             </a:extLst>
           </p:cNvPr>
@@ -6639,15 +6648,53 @@
             <p:ph idx="1"/>
           </p:nvPr>
         </p:nvSpPr>
-        <p:spPr/>
-        <p:txBody>
-          <a:bodyPr/>
-          <a:lstStyle/>
+        <p:spPr>
+          <a:xfrm>
+            <a:off x="1393023" y="2125347"/>
+            <a:ext cx="8946541" cy="4195481"/>
+          </a:xfrm>
+        </p:spPr>
+        <p:txBody>
+          <a:bodyPr/>
+          <a:lstStyle/>
+          <a:p>
+            <a:pPr marL="0" indent="0">
+              <a:buNone/>
+            </a:pPr>
+            <a:r>
+              <a:rPr lang="en-US" dirty="0" smtClean="0"/>
+              <a:t>This </a:t>
+            </a:r>
+            <a:r>
+              <a:rPr lang="en-US" dirty="0"/>
+              <a:t>project is not difficult to use, operate and understood by the users. Design of this project is pretty and responsive so that user won’t find it difficult to understand, use and navigate. This project provides the simplest system for managing </a:t>
+            </a:r>
+            <a:r>
+              <a:rPr lang="en-US" dirty="0" smtClean="0"/>
+              <a:t>pizza orders.</a:t>
+            </a:r>
+          </a:p>
           <a:p>
             <a:pPr marL="0" indent="0">
               <a:buNone/>
             </a:pPr>
             <a:endParaRPr lang="en-US" dirty="0"/>
+          </a:p>
+          <a:p>
+            <a:pPr marL="0" indent="0" algn="ctr">
+              <a:buNone/>
+            </a:pPr>
+            <a:endParaRPr lang="en-US" sz="4000" dirty="0" smtClean="0"/>
+          </a:p>
+          <a:p>
+            <a:pPr marL="0" indent="0" algn="ctr">
+              <a:buNone/>
+            </a:pPr>
+            <a:r>
+              <a:rPr lang="en-US" sz="4000" dirty="0" smtClean="0"/>
+              <a:t>Thank You!!!</a:t>
+            </a:r>
+            <a:endParaRPr lang="en-US" sz="4000" dirty="0"/>
           </a:p>
         </p:txBody>
       </p:sp>

--- a/Project Idea.pptx
+++ b/Project Idea.pptx
@@ -6236,8 +6236,47 @@
           <a:p>
             <a:r>
               <a:rPr lang="en-US" dirty="0"/>
-              <a:t>Md. Golam Rabby Shuvo - 1620044062</a:t>
-            </a:r>
+              <a:t>Md. Golam Rabby </a:t>
+            </a:r>
+            <a:r>
+              <a:rPr lang="en-US" dirty="0" err="1"/>
+              <a:t>Shuvo</a:t>
+            </a:r>
+            <a:r>
+              <a:rPr lang="en-US" dirty="0"/>
+              <a:t> </a:t>
+            </a:r>
+            <a:r>
+              <a:rPr lang="en-US" dirty="0" smtClean="0"/>
+              <a:t>– 1620044062</a:t>
+            </a:r>
+          </a:p>
+          <a:p>
+            <a:r>
+              <a:rPr lang="en-US" dirty="0" smtClean="0"/>
+              <a:t>Md. </a:t>
+            </a:r>
+            <a:r>
+              <a:rPr lang="en-US" dirty="0" err="1" smtClean="0"/>
+              <a:t>Shafiqul</a:t>
+            </a:r>
+            <a:r>
+              <a:rPr lang="en-US" dirty="0" smtClean="0"/>
+              <a:t> Islam </a:t>
+            </a:r>
+            <a:r>
+              <a:rPr lang="en-US" dirty="0"/>
+              <a:t>–</a:t>
+            </a:r>
+            <a:r>
+              <a:rPr lang="en-US" dirty="0" smtClean="0"/>
+              <a:t> </a:t>
+            </a:r>
+            <a:r>
+              <a:rPr lang="en-US" dirty="0"/>
+              <a:t>1610786042</a:t>
+            </a:r>
+            <a:endParaRPr lang="en-US" dirty="0"/>
           </a:p>
         </p:txBody>
       </p:sp>
@@ -6276,7 +6315,7 @@
           <p:cNvPr id="2" name="Title 1">
             <a:extLst>
               <a:ext uri="{FF2B5EF4-FFF2-40B4-BE49-F238E27FC236}">
-                <a16:creationId xmlns:a16="http://schemas.microsoft.com/office/drawing/2014/main" xmlns="" id="{EE621C6E-5F2F-4937-8865-C734D9453DA9}"/>
+                <a16:creationId xmlns="" xmlns:a16="http://schemas.microsoft.com/office/drawing/2014/main" id="{EE621C6E-5F2F-4937-8865-C734D9453DA9}"/>
               </a:ext>
             </a:extLst>
           </p:cNvPr>
@@ -6305,7 +6344,7 @@
           <p:cNvPr id="3" name="Content Placeholder 2">
             <a:extLst>
               <a:ext uri="{FF2B5EF4-FFF2-40B4-BE49-F238E27FC236}">
-                <a16:creationId xmlns:a16="http://schemas.microsoft.com/office/drawing/2014/main" xmlns="" id="{9B3291E1-A36B-46D7-A21B-323E368C741F}"/>
+                <a16:creationId xmlns="" xmlns:a16="http://schemas.microsoft.com/office/drawing/2014/main" id="{9B3291E1-A36B-46D7-A21B-323E368C741F}"/>
               </a:ext>
             </a:extLst>
           </p:cNvPr>
@@ -6372,7 +6411,7 @@
           <p:cNvPr id="2" name="Title 1">
             <a:extLst>
               <a:ext uri="{FF2B5EF4-FFF2-40B4-BE49-F238E27FC236}">
-                <a16:creationId xmlns:a16="http://schemas.microsoft.com/office/drawing/2014/main" xmlns="" id="{4C061A10-2833-452A-9105-DC825714EF23}"/>
+                <a16:creationId xmlns="" xmlns:a16="http://schemas.microsoft.com/office/drawing/2014/main" id="{4C061A10-2833-452A-9105-DC825714EF23}"/>
               </a:ext>
             </a:extLst>
           </p:cNvPr>
@@ -6401,7 +6440,7 @@
           <p:cNvPr id="3" name="Content Placeholder 2">
             <a:extLst>
               <a:ext uri="{FF2B5EF4-FFF2-40B4-BE49-F238E27FC236}">
-                <a16:creationId xmlns:a16="http://schemas.microsoft.com/office/drawing/2014/main" xmlns="" id="{F07FC772-8746-4F46-A37C-B27A432E6A14}"/>
+                <a16:creationId xmlns="" xmlns:a16="http://schemas.microsoft.com/office/drawing/2014/main" id="{F07FC772-8746-4F46-A37C-B27A432E6A14}"/>
               </a:ext>
             </a:extLst>
           </p:cNvPr>
@@ -6462,7 +6501,7 @@
           <p:cNvPr id="2" name="Title 1">
             <a:extLst>
               <a:ext uri="{FF2B5EF4-FFF2-40B4-BE49-F238E27FC236}">
-                <a16:creationId xmlns:a16="http://schemas.microsoft.com/office/drawing/2014/main" xmlns="" id="{44E7957F-22C1-4E47-8B7C-6805AB00636A}"/>
+                <a16:creationId xmlns="" xmlns:a16="http://schemas.microsoft.com/office/drawing/2014/main" id="{44E7957F-22C1-4E47-8B7C-6805AB00636A}"/>
               </a:ext>
             </a:extLst>
           </p:cNvPr>
@@ -6491,7 +6530,7 @@
           <p:cNvPr id="3" name="Content Placeholder 2">
             <a:extLst>
               <a:ext uri="{FF2B5EF4-FFF2-40B4-BE49-F238E27FC236}">
-                <a16:creationId xmlns:a16="http://schemas.microsoft.com/office/drawing/2014/main" xmlns="" id="{072A5E65-883A-45DC-A7B8-883AE75097C4}"/>
+                <a16:creationId xmlns="" xmlns:a16="http://schemas.microsoft.com/office/drawing/2014/main" id="{072A5E65-883A-45DC-A7B8-883AE75097C4}"/>
               </a:ext>
             </a:extLst>
           </p:cNvPr>
@@ -6603,7 +6642,7 @@
           <p:cNvPr id="2" name="Title 1">
             <a:extLst>
               <a:ext uri="{FF2B5EF4-FFF2-40B4-BE49-F238E27FC236}">
-                <a16:creationId xmlns:a16="http://schemas.microsoft.com/office/drawing/2014/main" xmlns="" id="{BB517D65-B75E-40C6-814F-AE2B01582EAA}"/>
+                <a16:creationId xmlns="" xmlns:a16="http://schemas.microsoft.com/office/drawing/2014/main" id="{BB517D65-B75E-40C6-814F-AE2B01582EAA}"/>
               </a:ext>
             </a:extLst>
           </p:cNvPr>
@@ -6637,7 +6676,7 @@
           <p:cNvPr id="3" name="Content Placeholder 2">
             <a:extLst>
               <a:ext uri="{FF2B5EF4-FFF2-40B4-BE49-F238E27FC236}">
-                <a16:creationId xmlns:a16="http://schemas.microsoft.com/office/drawing/2014/main" xmlns="" id="{31300AFC-5212-4E2A-8081-0E1FE354AF51}"/>
+                <a16:creationId xmlns="" xmlns:a16="http://schemas.microsoft.com/office/drawing/2014/main" id="{31300AFC-5212-4E2A-8081-0E1FE354AF51}"/>
               </a:ext>
             </a:extLst>
           </p:cNvPr>

--- a/Project Idea.pptx
+++ b/Project Idea.pptx
@@ -6120,10 +6120,6 @@
               <a:rPr lang="en-US" sz="4000" dirty="0"/>
               <a:t>CSE299–Junior Design</a:t>
             </a:r>
-            <a:r>
-              <a:rPr lang="en-US" dirty="0"/>
-              <a:t/>
-            </a:r>
             <a:br>
               <a:rPr lang="en-US" dirty="0"/>
             </a:br>
@@ -6244,39 +6240,22 @@
             </a:r>
             <a:r>
               <a:rPr lang="en-US" dirty="0"/>
-              <a:t> </a:t>
-            </a:r>
-            <a:r>
-              <a:rPr lang="en-US" dirty="0" smtClean="0"/>
-              <a:t>– 1620044062</a:t>
-            </a:r>
-          </a:p>
-          <a:p>
-            <a:r>
-              <a:rPr lang="en-US" dirty="0" smtClean="0"/>
+              <a:t> – 1620044062</a:t>
+            </a:r>
+          </a:p>
+          <a:p>
+            <a:r>
+              <a:rPr lang="en-US" dirty="0"/>
               <a:t>Md. </a:t>
             </a:r>
             <a:r>
-              <a:rPr lang="en-US" dirty="0" err="1" smtClean="0"/>
+              <a:rPr lang="en-US" dirty="0" err="1"/>
               <a:t>Shafiqul</a:t>
             </a:r>
             <a:r>
-              <a:rPr lang="en-US" dirty="0" smtClean="0"/>
-              <a:t> Islam </a:t>
-            </a:r>
-            <a:r>
               <a:rPr lang="en-US" dirty="0"/>
-              <a:t>–</a:t>
-            </a:r>
-            <a:r>
-              <a:rPr lang="en-US" dirty="0" smtClean="0"/>
-              <a:t> </a:t>
-            </a:r>
-            <a:r>
-              <a:rPr lang="en-US" dirty="0"/>
-              <a:t>1610786042</a:t>
-            </a:r>
-            <a:endParaRPr lang="en-US" dirty="0"/>
+              <a:t> Islam – 1610786042</a:t>
+            </a:r>
           </a:p>
         </p:txBody>
       </p:sp>
@@ -6315,7 +6294,7 @@
           <p:cNvPr id="2" name="Title 1">
             <a:extLst>
               <a:ext uri="{FF2B5EF4-FFF2-40B4-BE49-F238E27FC236}">
-                <a16:creationId xmlns="" xmlns:a16="http://schemas.microsoft.com/office/drawing/2014/main" id="{EE621C6E-5F2F-4937-8865-C734D9453DA9}"/>
+                <a16:creationId xmlns:a16="http://schemas.microsoft.com/office/drawing/2014/main" id="{EE621C6E-5F2F-4937-8865-C734D9453DA9}"/>
               </a:ext>
             </a:extLst>
           </p:cNvPr>
@@ -6344,7 +6323,7 @@
           <p:cNvPr id="3" name="Content Placeholder 2">
             <a:extLst>
               <a:ext uri="{FF2B5EF4-FFF2-40B4-BE49-F238E27FC236}">
-                <a16:creationId xmlns="" xmlns:a16="http://schemas.microsoft.com/office/drawing/2014/main" id="{9B3291E1-A36B-46D7-A21B-323E368C741F}"/>
+                <a16:creationId xmlns:a16="http://schemas.microsoft.com/office/drawing/2014/main" id="{9B3291E1-A36B-46D7-A21B-323E368C741F}"/>
               </a:ext>
             </a:extLst>
           </p:cNvPr>
@@ -6411,7 +6390,7 @@
           <p:cNvPr id="2" name="Title 1">
             <a:extLst>
               <a:ext uri="{FF2B5EF4-FFF2-40B4-BE49-F238E27FC236}">
-                <a16:creationId xmlns="" xmlns:a16="http://schemas.microsoft.com/office/drawing/2014/main" id="{4C061A10-2833-452A-9105-DC825714EF23}"/>
+                <a16:creationId xmlns:a16="http://schemas.microsoft.com/office/drawing/2014/main" id="{4C061A10-2833-452A-9105-DC825714EF23}"/>
               </a:ext>
             </a:extLst>
           </p:cNvPr>
@@ -6440,7 +6419,7 @@
           <p:cNvPr id="3" name="Content Placeholder 2">
             <a:extLst>
               <a:ext uri="{FF2B5EF4-FFF2-40B4-BE49-F238E27FC236}">
-                <a16:creationId xmlns="" xmlns:a16="http://schemas.microsoft.com/office/drawing/2014/main" id="{F07FC772-8746-4F46-A37C-B27A432E6A14}"/>
+                <a16:creationId xmlns:a16="http://schemas.microsoft.com/office/drawing/2014/main" id="{F07FC772-8746-4F46-A37C-B27A432E6A14}"/>
               </a:ext>
             </a:extLst>
           </p:cNvPr>
@@ -6501,7 +6480,7 @@
           <p:cNvPr id="2" name="Title 1">
             <a:extLst>
               <a:ext uri="{FF2B5EF4-FFF2-40B4-BE49-F238E27FC236}">
-                <a16:creationId xmlns="" xmlns:a16="http://schemas.microsoft.com/office/drawing/2014/main" id="{44E7957F-22C1-4E47-8B7C-6805AB00636A}"/>
+                <a16:creationId xmlns:a16="http://schemas.microsoft.com/office/drawing/2014/main" id="{44E7957F-22C1-4E47-8B7C-6805AB00636A}"/>
               </a:ext>
             </a:extLst>
           </p:cNvPr>
@@ -6530,7 +6509,7 @@
           <p:cNvPr id="3" name="Content Placeholder 2">
             <a:extLst>
               <a:ext uri="{FF2B5EF4-FFF2-40B4-BE49-F238E27FC236}">
-                <a16:creationId xmlns="" xmlns:a16="http://schemas.microsoft.com/office/drawing/2014/main" id="{072A5E65-883A-45DC-A7B8-883AE75097C4}"/>
+                <a16:creationId xmlns:a16="http://schemas.microsoft.com/office/drawing/2014/main" id="{072A5E65-883A-45DC-A7B8-883AE75097C4}"/>
               </a:ext>
             </a:extLst>
           </p:cNvPr>
@@ -6642,7 +6621,7 @@
           <p:cNvPr id="2" name="Title 1">
             <a:extLst>
               <a:ext uri="{FF2B5EF4-FFF2-40B4-BE49-F238E27FC236}">
-                <a16:creationId xmlns="" xmlns:a16="http://schemas.microsoft.com/office/drawing/2014/main" id="{BB517D65-B75E-40C6-814F-AE2B01582EAA}"/>
+                <a16:creationId xmlns:a16="http://schemas.microsoft.com/office/drawing/2014/main" id="{BB517D65-B75E-40C6-814F-AE2B01582EAA}"/>
               </a:ext>
             </a:extLst>
           </p:cNvPr>
@@ -6676,7 +6655,7 @@
           <p:cNvPr id="3" name="Content Placeholder 2">
             <a:extLst>
               <a:ext uri="{FF2B5EF4-FFF2-40B4-BE49-F238E27FC236}">
-                <a16:creationId xmlns="" xmlns:a16="http://schemas.microsoft.com/office/drawing/2014/main" id="{31300AFC-5212-4E2A-8081-0E1FE354AF51}"/>
+                <a16:creationId xmlns:a16="http://schemas.microsoft.com/office/drawing/2014/main" id="{31300AFC-5212-4E2A-8081-0E1FE354AF51}"/>
               </a:ext>
             </a:extLst>
           </p:cNvPr>
@@ -6697,20 +6676,12 @@
           <a:bodyPr/>
           <a:lstStyle/>
           <a:p>
-            <a:pPr marL="0" indent="0">
+            <a:pPr marL="0" indent="0" algn="just">
               <a:buNone/>
             </a:pPr>
             <a:r>
-              <a:rPr lang="en-US" dirty="0" smtClean="0"/>
-              <a:t>This </a:t>
-            </a:r>
-            <a:r>
               <a:rPr lang="en-US" dirty="0"/>
-              <a:t>project is not difficult to use, operate and understood by the users. Design of this project is pretty and responsive so that user won’t find it difficult to understand, use and navigate. This project provides the simplest system for managing </a:t>
-            </a:r>
-            <a:r>
-              <a:rPr lang="en-US" dirty="0" smtClean="0"/>
-              <a:t>pizza orders.</a:t>
+              <a:t>This project is not difficult to use, operate and understood by the users. Design of this project is pretty and responsive so that user won’t find it difficult to understand, use and navigate. This project provides the simplest system for managing pizza orders.</a:t>
             </a:r>
           </a:p>
           <a:p>
@@ -6723,17 +6694,16 @@
             <a:pPr marL="0" indent="0" algn="ctr">
               <a:buNone/>
             </a:pPr>
-            <a:endParaRPr lang="en-US" sz="4000" dirty="0" smtClean="0"/>
+            <a:endParaRPr lang="en-US" sz="4000" dirty="0"/>
           </a:p>
           <a:p>
             <a:pPr marL="0" indent="0" algn="ctr">
               <a:buNone/>
             </a:pPr>
             <a:r>
-              <a:rPr lang="en-US" sz="4000" dirty="0" smtClean="0"/>
+              <a:rPr lang="en-US" sz="4000" dirty="0"/>
               <a:t>Thank You!!!</a:t>
             </a:r>
-            <a:endParaRPr lang="en-US" sz="4000" dirty="0"/>
           </a:p>
         </p:txBody>
       </p:sp>

--- a/Project Idea.pptx
+++ b/Project Idea.pptx
@@ -6120,6 +6120,10 @@
               <a:rPr lang="en-US" sz="4000" dirty="0"/>
               <a:t>CSE299–Junior Design</a:t>
             </a:r>
+            <a:r>
+              <a:rPr lang="en-US" dirty="0"/>
+              <a:t/>
+            </a:r>
             <a:br>
               <a:rPr lang="en-US" dirty="0"/>
             </a:br>
@@ -6240,22 +6244,39 @@
             </a:r>
             <a:r>
               <a:rPr lang="en-US" dirty="0"/>
-              <a:t> – 1620044062</a:t>
-            </a:r>
-          </a:p>
-          <a:p>
+              <a:t> </a:t>
+            </a:r>
+            <a:r>
+              <a:rPr lang="en-US" dirty="0" smtClean="0"/>
+              <a:t>– 1620044062</a:t>
+            </a:r>
+          </a:p>
+          <a:p>
+            <a:r>
+              <a:rPr lang="en-US" dirty="0" smtClean="0"/>
+              <a:t>Md. </a:t>
+            </a:r>
+            <a:r>
+              <a:rPr lang="en-US" dirty="0" err="1" smtClean="0"/>
+              <a:t>Shafiqul</a:t>
+            </a:r>
+            <a:r>
+              <a:rPr lang="en-US" dirty="0" smtClean="0"/>
+              <a:t> Islam </a:t>
+            </a:r>
             <a:r>
               <a:rPr lang="en-US" dirty="0"/>
-              <a:t>Md. </a:t>
-            </a:r>
-            <a:r>
-              <a:rPr lang="en-US" dirty="0" err="1"/>
-              <a:t>Shafiqul</a:t>
+              <a:t>–</a:t>
+            </a:r>
+            <a:r>
+              <a:rPr lang="en-US" dirty="0" smtClean="0"/>
+              <a:t> </a:t>
             </a:r>
             <a:r>
               <a:rPr lang="en-US" dirty="0"/>
-              <a:t> Islam – 1610786042</a:t>
-            </a:r>
+              <a:t>1610786042</a:t>
+            </a:r>
+            <a:endParaRPr lang="en-US" dirty="0"/>
           </a:p>
         </p:txBody>
       </p:sp>
@@ -6294,7 +6315,7 @@
           <p:cNvPr id="2" name="Title 1">
             <a:extLst>
               <a:ext uri="{FF2B5EF4-FFF2-40B4-BE49-F238E27FC236}">
-                <a16:creationId xmlns:a16="http://schemas.microsoft.com/office/drawing/2014/main" id="{EE621C6E-5F2F-4937-8865-C734D9453DA9}"/>
+                <a16:creationId xmlns="" xmlns:a16="http://schemas.microsoft.com/office/drawing/2014/main" id="{EE621C6E-5F2F-4937-8865-C734D9453DA9}"/>
               </a:ext>
             </a:extLst>
           </p:cNvPr>
@@ -6323,7 +6344,7 @@
           <p:cNvPr id="3" name="Content Placeholder 2">
             <a:extLst>
               <a:ext uri="{FF2B5EF4-FFF2-40B4-BE49-F238E27FC236}">
-                <a16:creationId xmlns:a16="http://schemas.microsoft.com/office/drawing/2014/main" id="{9B3291E1-A36B-46D7-A21B-323E368C741F}"/>
+                <a16:creationId xmlns="" xmlns:a16="http://schemas.microsoft.com/office/drawing/2014/main" id="{9B3291E1-A36B-46D7-A21B-323E368C741F}"/>
               </a:ext>
             </a:extLst>
           </p:cNvPr>
@@ -6390,7 +6411,7 @@
           <p:cNvPr id="2" name="Title 1">
             <a:extLst>
               <a:ext uri="{FF2B5EF4-FFF2-40B4-BE49-F238E27FC236}">
-                <a16:creationId xmlns:a16="http://schemas.microsoft.com/office/drawing/2014/main" id="{4C061A10-2833-452A-9105-DC825714EF23}"/>
+                <a16:creationId xmlns="" xmlns:a16="http://schemas.microsoft.com/office/drawing/2014/main" id="{4C061A10-2833-452A-9105-DC825714EF23}"/>
               </a:ext>
             </a:extLst>
           </p:cNvPr>
@@ -6419,7 +6440,7 @@
           <p:cNvPr id="3" name="Content Placeholder 2">
             <a:extLst>
               <a:ext uri="{FF2B5EF4-FFF2-40B4-BE49-F238E27FC236}">
-                <a16:creationId xmlns:a16="http://schemas.microsoft.com/office/drawing/2014/main" id="{F07FC772-8746-4F46-A37C-B27A432E6A14}"/>
+                <a16:creationId xmlns="" xmlns:a16="http://schemas.microsoft.com/office/drawing/2014/main" id="{F07FC772-8746-4F46-A37C-B27A432E6A14}"/>
               </a:ext>
             </a:extLst>
           </p:cNvPr>
@@ -6480,7 +6501,7 @@
           <p:cNvPr id="2" name="Title 1">
             <a:extLst>
               <a:ext uri="{FF2B5EF4-FFF2-40B4-BE49-F238E27FC236}">
-                <a16:creationId xmlns:a16="http://schemas.microsoft.com/office/drawing/2014/main" id="{44E7957F-22C1-4E47-8B7C-6805AB00636A}"/>
+                <a16:creationId xmlns="" xmlns:a16="http://schemas.microsoft.com/office/drawing/2014/main" id="{44E7957F-22C1-4E47-8B7C-6805AB00636A}"/>
               </a:ext>
             </a:extLst>
           </p:cNvPr>
@@ -6509,7 +6530,7 @@
           <p:cNvPr id="3" name="Content Placeholder 2">
             <a:extLst>
               <a:ext uri="{FF2B5EF4-FFF2-40B4-BE49-F238E27FC236}">
-                <a16:creationId xmlns:a16="http://schemas.microsoft.com/office/drawing/2014/main" id="{072A5E65-883A-45DC-A7B8-883AE75097C4}"/>
+                <a16:creationId xmlns="" xmlns:a16="http://schemas.microsoft.com/office/drawing/2014/main" id="{072A5E65-883A-45DC-A7B8-883AE75097C4}"/>
               </a:ext>
             </a:extLst>
           </p:cNvPr>
@@ -6621,7 +6642,7 @@
           <p:cNvPr id="2" name="Title 1">
             <a:extLst>
               <a:ext uri="{FF2B5EF4-FFF2-40B4-BE49-F238E27FC236}">
-                <a16:creationId xmlns:a16="http://schemas.microsoft.com/office/drawing/2014/main" id="{BB517D65-B75E-40C6-814F-AE2B01582EAA}"/>
+                <a16:creationId xmlns="" xmlns:a16="http://schemas.microsoft.com/office/drawing/2014/main" id="{BB517D65-B75E-40C6-814F-AE2B01582EAA}"/>
               </a:ext>
             </a:extLst>
           </p:cNvPr>
@@ -6655,7 +6676,7 @@
           <p:cNvPr id="3" name="Content Placeholder 2">
             <a:extLst>
               <a:ext uri="{FF2B5EF4-FFF2-40B4-BE49-F238E27FC236}">
-                <a16:creationId xmlns:a16="http://schemas.microsoft.com/office/drawing/2014/main" id="{31300AFC-5212-4E2A-8081-0E1FE354AF51}"/>
+                <a16:creationId xmlns="" xmlns:a16="http://schemas.microsoft.com/office/drawing/2014/main" id="{31300AFC-5212-4E2A-8081-0E1FE354AF51}"/>
               </a:ext>
             </a:extLst>
           </p:cNvPr>
@@ -6676,12 +6697,20 @@
           <a:bodyPr/>
           <a:lstStyle/>
           <a:p>
-            <a:pPr marL="0" indent="0" algn="just">
+            <a:pPr marL="0" indent="0">
               <a:buNone/>
             </a:pPr>
             <a:r>
+              <a:rPr lang="en-US" dirty="0" smtClean="0"/>
+              <a:t>This </a:t>
+            </a:r>
+            <a:r>
               <a:rPr lang="en-US" dirty="0"/>
-              <a:t>This project is not difficult to use, operate and understood by the users. Design of this project is pretty and responsive so that user won’t find it difficult to understand, use and navigate. This project provides the simplest system for managing pizza orders.</a:t>
+              <a:t>project is not difficult to use, operate and understood by the users. Design of this project is pretty and responsive so that user won’t find it difficult to understand, use and navigate. This project provides the simplest system for managing </a:t>
+            </a:r>
+            <a:r>
+              <a:rPr lang="en-US" dirty="0" smtClean="0"/>
+              <a:t>pizza orders.</a:t>
             </a:r>
           </a:p>
           <a:p>
@@ -6694,16 +6723,17 @@
             <a:pPr marL="0" indent="0" algn="ctr">
               <a:buNone/>
             </a:pPr>
+            <a:endParaRPr lang="en-US" sz="4000" dirty="0" smtClean="0"/>
+          </a:p>
+          <a:p>
+            <a:pPr marL="0" indent="0" algn="ctr">
+              <a:buNone/>
+            </a:pPr>
+            <a:r>
+              <a:rPr lang="en-US" sz="4000" dirty="0" smtClean="0"/>
+              <a:t>Thank You!!!</a:t>
+            </a:r>
             <a:endParaRPr lang="en-US" sz="4000" dirty="0"/>
-          </a:p>
-          <a:p>
-            <a:pPr marL="0" indent="0" algn="ctr">
-              <a:buNone/>
-            </a:pPr>
-            <a:r>
-              <a:rPr lang="en-US" sz="4000" dirty="0"/>
-              <a:t>Thank You!!!</a:t>
-            </a:r>
           </a:p>
         </p:txBody>
       </p:sp>

--- a/Project Idea.pptx
+++ b/Project Idea.pptx
@@ -6551,7 +6551,7 @@
             </a:pPr>
             <a:r>
               <a:rPr lang="en-US" dirty="0"/>
-              <a:t>Firebase API</a:t>
+              <a:t>Firebase</a:t>
             </a:r>
           </a:p>
           <a:p>
@@ -6583,6 +6583,17 @@
               <a:rPr lang="en-US" dirty="0"/>
               <a:t>Java Language</a:t>
             </a:r>
+          </a:p>
+          <a:p>
+            <a:pPr>
+              <a:buFont typeface="Wingdings" panose="05000000000000000000" pitchFamily="2" charset="2"/>
+              <a:buChar char="Ø"/>
+            </a:pPr>
+            <a:r>
+              <a:rPr lang="en-US"/>
+              <a:t>Github</a:t>
+            </a:r>
+            <a:endParaRPr lang="en-US" dirty="0"/>
           </a:p>
         </p:txBody>
       </p:sp>
